--- a/Learning Spark Notes.pptx
+++ b/Learning Spark Notes.pptx
@@ -33,6 +33,18 @@
     <p:sldId id="282" r:id="rId27"/>
     <p:sldId id="283" r:id="rId28"/>
     <p:sldId id="278" r:id="rId29"/>
+    <p:sldId id="284" r:id="rId30"/>
+    <p:sldId id="286" r:id="rId31"/>
+    <p:sldId id="287" r:id="rId32"/>
+    <p:sldId id="288" r:id="rId33"/>
+    <p:sldId id="289" r:id="rId34"/>
+    <p:sldId id="290" r:id="rId35"/>
+    <p:sldId id="291" r:id="rId36"/>
+    <p:sldId id="293" r:id="rId37"/>
+    <p:sldId id="292" r:id="rId38"/>
+    <p:sldId id="295" r:id="rId39"/>
+    <p:sldId id="296" r:id="rId40"/>
+    <p:sldId id="294" r:id="rId41"/>
   </p:sldIdLst>
   <p:sldSz cx="12192000" cy="6858000"/>
   <p:notesSz cx="6858000" cy="9144000"/>
@@ -286,7 +298,7 @@
           <a:p>
             <a:fld id="{B4A24D60-8303-47C4-BF16-872D2B2306E8}" type="datetimeFigureOut">
               <a:rPr lang="en-US" smtClean="0"/>
-              <a:t>7/10/2020</a:t>
+              <a:t>8/5/2020</a:t>
             </a:fld>
             <a:endParaRPr lang="en-US"/>
           </a:p>
@@ -484,7 +496,7 @@
           <a:p>
             <a:fld id="{B4A24D60-8303-47C4-BF16-872D2B2306E8}" type="datetimeFigureOut">
               <a:rPr lang="en-US" smtClean="0"/>
-              <a:t>7/10/2020</a:t>
+              <a:t>8/5/2020</a:t>
             </a:fld>
             <a:endParaRPr lang="en-US"/>
           </a:p>
@@ -692,7 +704,7 @@
           <a:p>
             <a:fld id="{B4A24D60-8303-47C4-BF16-872D2B2306E8}" type="datetimeFigureOut">
               <a:rPr lang="en-US" smtClean="0"/>
-              <a:t>7/10/2020</a:t>
+              <a:t>8/5/2020</a:t>
             </a:fld>
             <a:endParaRPr lang="en-US"/>
           </a:p>
@@ -890,7 +902,7 @@
           <a:p>
             <a:fld id="{B4A24D60-8303-47C4-BF16-872D2B2306E8}" type="datetimeFigureOut">
               <a:rPr lang="en-US" smtClean="0"/>
-              <a:t>7/10/2020</a:t>
+              <a:t>8/5/2020</a:t>
             </a:fld>
             <a:endParaRPr lang="en-US"/>
           </a:p>
@@ -1165,7 +1177,7 @@
           <a:p>
             <a:fld id="{B4A24D60-8303-47C4-BF16-872D2B2306E8}" type="datetimeFigureOut">
               <a:rPr lang="en-US" smtClean="0"/>
-              <a:t>7/10/2020</a:t>
+              <a:t>8/5/2020</a:t>
             </a:fld>
             <a:endParaRPr lang="en-US"/>
           </a:p>
@@ -1430,7 +1442,7 @@
           <a:p>
             <a:fld id="{B4A24D60-8303-47C4-BF16-872D2B2306E8}" type="datetimeFigureOut">
               <a:rPr lang="en-US" smtClean="0"/>
-              <a:t>7/10/2020</a:t>
+              <a:t>8/5/2020</a:t>
             </a:fld>
             <a:endParaRPr lang="en-US"/>
           </a:p>
@@ -1842,7 +1854,7 @@
           <a:p>
             <a:fld id="{B4A24D60-8303-47C4-BF16-872D2B2306E8}" type="datetimeFigureOut">
               <a:rPr lang="en-US" smtClean="0"/>
-              <a:t>7/10/2020</a:t>
+              <a:t>8/5/2020</a:t>
             </a:fld>
             <a:endParaRPr lang="en-US"/>
           </a:p>
@@ -1983,7 +1995,7 @@
           <a:p>
             <a:fld id="{B4A24D60-8303-47C4-BF16-872D2B2306E8}" type="datetimeFigureOut">
               <a:rPr lang="en-US" smtClean="0"/>
-              <a:t>7/10/2020</a:t>
+              <a:t>8/5/2020</a:t>
             </a:fld>
             <a:endParaRPr lang="en-US"/>
           </a:p>
@@ -2096,7 +2108,7 @@
           <a:p>
             <a:fld id="{B4A24D60-8303-47C4-BF16-872D2B2306E8}" type="datetimeFigureOut">
               <a:rPr lang="en-US" smtClean="0"/>
-              <a:t>7/10/2020</a:t>
+              <a:t>8/5/2020</a:t>
             </a:fld>
             <a:endParaRPr lang="en-US"/>
           </a:p>
@@ -2407,7 +2419,7 @@
           <a:p>
             <a:fld id="{B4A24D60-8303-47C4-BF16-872D2B2306E8}" type="datetimeFigureOut">
               <a:rPr lang="en-US" smtClean="0"/>
-              <a:t>7/10/2020</a:t>
+              <a:t>8/5/2020</a:t>
             </a:fld>
             <a:endParaRPr lang="en-US"/>
           </a:p>
@@ -2695,7 +2707,7 @@
           <a:p>
             <a:fld id="{B4A24D60-8303-47C4-BF16-872D2B2306E8}" type="datetimeFigureOut">
               <a:rPr lang="en-US" smtClean="0"/>
-              <a:t>7/10/2020</a:t>
+              <a:t>8/5/2020</a:t>
             </a:fld>
             <a:endParaRPr lang="en-US"/>
           </a:p>
@@ -2936,7 +2948,7 @@
           <a:p>
             <a:fld id="{B4A24D60-8303-47C4-BF16-872D2B2306E8}" type="datetimeFigureOut">
               <a:rPr lang="en-US" smtClean="0"/>
-              <a:t>7/10/2020</a:t>
+              <a:t>8/5/2020</a:t>
             </a:fld>
             <a:endParaRPr lang="en-US"/>
           </a:p>
@@ -8441,6 +8453,197 @@
 </p:sld>
 </file>
 
+<file path=ppt/slides/slide29.xml><?xml version="1.0" encoding="utf-8"?>
+<p:sld xmlns:a="http://schemas.openxmlformats.org/drawingml/2006/main" xmlns:r="http://schemas.openxmlformats.org/officeDocument/2006/relationships" xmlns:p="http://schemas.openxmlformats.org/presentationml/2006/main">
+  <p:cSld>
+    <p:spTree>
+      <p:nvGrpSpPr>
+        <p:cNvPr id="1" name=""/>
+        <p:cNvGrpSpPr/>
+        <p:nvPr/>
+      </p:nvGrpSpPr>
+      <p:grpSpPr>
+        <a:xfrm>
+          <a:off x="0" y="0"/>
+          <a:ext cx="0" cy="0"/>
+          <a:chOff x="0" y="0"/>
+          <a:chExt cx="0" cy="0"/>
+        </a:xfrm>
+      </p:grpSpPr>
+      <p:sp>
+        <p:nvSpPr>
+          <p:cNvPr id="2" name="Title 1">
+            <a:extLst>
+              <a:ext uri="{FF2B5EF4-FFF2-40B4-BE49-F238E27FC236}">
+                <a16:creationId xmlns:a16="http://schemas.microsoft.com/office/drawing/2014/main" id="{9B90E7FA-10C9-4C32-8953-2C3AEB6720C0}"/>
+              </a:ext>
+            </a:extLst>
+          </p:cNvPr>
+          <p:cNvSpPr>
+            <a:spLocks noGrp="1"/>
+          </p:cNvSpPr>
+          <p:nvPr>
+            <p:ph type="title"/>
+          </p:nvPr>
+        </p:nvSpPr>
+        <p:spPr>
+          <a:xfrm>
+            <a:off x="202660" y="144632"/>
+            <a:ext cx="10515600" cy="1325563"/>
+          </a:xfrm>
+        </p:spPr>
+        <p:txBody>
+          <a:bodyPr/>
+          <a:lstStyle/>
+          <a:p>
+            <a:r>
+              <a:rPr lang="en-US" dirty="0"/>
+              <a:t>EXTERNAL DATA SOURCES</a:t>
+            </a:r>
+          </a:p>
+        </p:txBody>
+      </p:sp>
+      <p:sp>
+        <p:nvSpPr>
+          <p:cNvPr id="3" name="Content Placeholder 2">
+            <a:extLst>
+              <a:ext uri="{FF2B5EF4-FFF2-40B4-BE49-F238E27FC236}">
+                <a16:creationId xmlns:a16="http://schemas.microsoft.com/office/drawing/2014/main" id="{FCDDB8D2-14CD-4FB1-978B-55BB92950FAE}"/>
+              </a:ext>
+            </a:extLst>
+          </p:cNvPr>
+          <p:cNvSpPr>
+            <a:spLocks noGrp="1"/>
+          </p:cNvSpPr>
+          <p:nvPr>
+            <p:ph idx="1"/>
+          </p:nvPr>
+        </p:nvSpPr>
+        <p:spPr>
+          <a:xfrm>
+            <a:off x="831714" y="1717627"/>
+            <a:ext cx="10257817" cy="4351338"/>
+          </a:xfrm>
+        </p:spPr>
+        <p:txBody>
+          <a:bodyPr/>
+          <a:lstStyle/>
+          <a:p>
+            <a:pPr marL="0" indent="0">
+              <a:buNone/>
+            </a:pPr>
+            <a:r>
+              <a:rPr lang="en-US" dirty="0"/>
+              <a:t>JDBC and SQL Databases</a:t>
+            </a:r>
+          </a:p>
+          <a:p>
+            <a:pPr marL="0" indent="0">
+              <a:buNone/>
+            </a:pPr>
+            <a:endParaRPr lang="en-US" dirty="0"/>
+          </a:p>
+          <a:p>
+            <a:r>
+              <a:rPr lang="en-US" dirty="0"/>
+              <a:t>Spark SQL includes a data source API that can read data from other databases using JDBC. </a:t>
+            </a:r>
+          </a:p>
+          <a:p>
+            <a:r>
+              <a:rPr lang="en-US" dirty="0"/>
+              <a:t>It simplifies querying these data sources as it returns the results as a </a:t>
+            </a:r>
+            <a:r>
+              <a:rPr lang="en-US" dirty="0" err="1"/>
+              <a:t>DataFrame</a:t>
+            </a:r>
+            <a:r>
+              <a:rPr lang="en-US" dirty="0"/>
+              <a:t>, thus providing all of the benefits of Spark SQL.</a:t>
+            </a:r>
+          </a:p>
+        </p:txBody>
+      </p:sp>
+      <p:pic>
+        <p:nvPicPr>
+          <p:cNvPr id="4" name="Picture 3">
+            <a:extLst>
+              <a:ext uri="{FF2B5EF4-FFF2-40B4-BE49-F238E27FC236}">
+                <a16:creationId xmlns:a16="http://schemas.microsoft.com/office/drawing/2014/main" id="{2F29CF98-C068-47EE-8A76-12B250694B25}"/>
+              </a:ext>
+            </a:extLst>
+          </p:cNvPr>
+          <p:cNvPicPr>
+            <a:picLocks noChangeAspect="1"/>
+          </p:cNvPicPr>
+          <p:nvPr/>
+        </p:nvPicPr>
+        <p:blipFill rotWithShape="1">
+          <a:blip r:embed="rId2"/>
+          <a:srcRect l="25692" t="21438" r="43638" b="6194"/>
+          <a:stretch/>
+        </p:blipFill>
+        <p:spPr>
+          <a:xfrm>
+            <a:off x="9652157" y="4106369"/>
+            <a:ext cx="1918874" cy="2546820"/>
+          </a:xfrm>
+          <a:prstGeom prst="rect">
+            <a:avLst/>
+          </a:prstGeom>
+        </p:spPr>
+      </p:pic>
+      <p:sp>
+        <p:nvSpPr>
+          <p:cNvPr id="5" name="Rectangle 4">
+            <a:extLst>
+              <a:ext uri="{FF2B5EF4-FFF2-40B4-BE49-F238E27FC236}">
+                <a16:creationId xmlns:a16="http://schemas.microsoft.com/office/drawing/2014/main" id="{876047CB-2F3B-4AC1-886D-5F328E0A2F41}"/>
+              </a:ext>
+            </a:extLst>
+          </p:cNvPr>
+          <p:cNvSpPr/>
+          <p:nvPr/>
+        </p:nvSpPr>
+        <p:spPr>
+          <a:xfrm>
+            <a:off x="6096000" y="6653189"/>
+            <a:ext cx="6096000" cy="253916"/>
+          </a:xfrm>
+          <a:prstGeom prst="rect">
+            <a:avLst/>
+          </a:prstGeom>
+        </p:spPr>
+        <p:txBody>
+          <a:bodyPr>
+            <a:spAutoFit/>
+          </a:bodyPr>
+          <a:lstStyle/>
+          <a:p>
+            <a:r>
+              <a:rPr lang="sv-SE" sz="1050" dirty="0">
+                <a:hlinkClick r:id="rId3"/>
+              </a:rPr>
+              <a:t>https://www.infoworld.com/article/3388036/what-is-jdbc-introduction-to-java-database-connectivity.html</a:t>
+            </a:r>
+            <a:endParaRPr lang="en-US" sz="1050" dirty="0"/>
+          </a:p>
+        </p:txBody>
+      </p:sp>
+    </p:spTree>
+    <p:extLst>
+      <p:ext uri="{BB962C8B-B14F-4D97-AF65-F5344CB8AC3E}">
+        <p14:creationId xmlns:p14="http://schemas.microsoft.com/office/powerpoint/2010/main" val="3622465434"/>
+      </p:ext>
+    </p:extLst>
+  </p:cSld>
+  <p:clrMapOvr>
+    <a:masterClrMapping/>
+  </p:clrMapOvr>
+</p:sld>
+</file>
+
 <file path=ppt/slides/slide3.xml><?xml version="1.0" encoding="utf-8"?>
 <p:sld xmlns:a="http://schemas.openxmlformats.org/drawingml/2006/main" xmlns:r="http://schemas.openxmlformats.org/officeDocument/2006/relationships" xmlns:p="http://schemas.openxmlformats.org/presentationml/2006/main">
   <p:cSld>
@@ -8553,6 +8756,2042 @@
     <p:extLst>
       <p:ext uri="{BB962C8B-B14F-4D97-AF65-F5344CB8AC3E}">
         <p14:creationId xmlns:p14="http://schemas.microsoft.com/office/powerpoint/2010/main" val="3625869568"/>
+      </p:ext>
+    </p:extLst>
+  </p:cSld>
+  <p:clrMapOvr>
+    <a:masterClrMapping/>
+  </p:clrMapOvr>
+</p:sld>
+</file>
+
+<file path=ppt/slides/slide30.xml><?xml version="1.0" encoding="utf-8"?>
+<p:sld xmlns:a="http://schemas.openxmlformats.org/drawingml/2006/main" xmlns:r="http://schemas.openxmlformats.org/officeDocument/2006/relationships" xmlns:p="http://schemas.openxmlformats.org/presentationml/2006/main">
+  <p:cSld>
+    <p:spTree>
+      <p:nvGrpSpPr>
+        <p:cNvPr id="1" name=""/>
+        <p:cNvGrpSpPr/>
+        <p:nvPr/>
+      </p:nvGrpSpPr>
+      <p:grpSpPr>
+        <a:xfrm>
+          <a:off x="0" y="0"/>
+          <a:ext cx="0" cy="0"/>
+          <a:chOff x="0" y="0"/>
+          <a:chExt cx="0" cy="0"/>
+        </a:xfrm>
+      </p:grpSpPr>
+      <p:sp>
+        <p:nvSpPr>
+          <p:cNvPr id="2" name="Title 1">
+            <a:extLst>
+              <a:ext uri="{FF2B5EF4-FFF2-40B4-BE49-F238E27FC236}">
+                <a16:creationId xmlns:a16="http://schemas.microsoft.com/office/drawing/2014/main" id="{9B90E7FA-10C9-4C32-8953-2C3AEB6720C0}"/>
+              </a:ext>
+            </a:extLst>
+          </p:cNvPr>
+          <p:cNvSpPr>
+            <a:spLocks noGrp="1"/>
+          </p:cNvSpPr>
+          <p:nvPr>
+            <p:ph type="title"/>
+          </p:nvPr>
+        </p:nvSpPr>
+        <p:spPr>
+          <a:xfrm>
+            <a:off x="202660" y="144632"/>
+            <a:ext cx="10515600" cy="1325563"/>
+          </a:xfrm>
+        </p:spPr>
+        <p:txBody>
+          <a:bodyPr/>
+          <a:lstStyle/>
+          <a:p>
+            <a:r>
+              <a:rPr lang="en-US" dirty="0"/>
+              <a:t>EXTERNAL DATA SOURCES</a:t>
+            </a:r>
+          </a:p>
+        </p:txBody>
+      </p:sp>
+      <p:sp>
+        <p:nvSpPr>
+          <p:cNvPr id="3" name="Content Placeholder 2">
+            <a:extLst>
+              <a:ext uri="{FF2B5EF4-FFF2-40B4-BE49-F238E27FC236}">
+                <a16:creationId xmlns:a16="http://schemas.microsoft.com/office/drawing/2014/main" id="{FCDDB8D2-14CD-4FB1-978B-55BB92950FAE}"/>
+              </a:ext>
+            </a:extLst>
+          </p:cNvPr>
+          <p:cNvSpPr>
+            <a:spLocks noGrp="1"/>
+          </p:cNvSpPr>
+          <p:nvPr>
+            <p:ph idx="1"/>
+          </p:nvPr>
+        </p:nvSpPr>
+        <p:spPr>
+          <a:xfrm>
+            <a:off x="831714" y="1717627"/>
+            <a:ext cx="10017869" cy="4351338"/>
+          </a:xfrm>
+        </p:spPr>
+        <p:txBody>
+          <a:bodyPr>
+            <a:normAutofit fontScale="92500"/>
+          </a:bodyPr>
+          <a:lstStyle/>
+          <a:p>
+            <a:pPr marL="0" indent="0">
+              <a:buNone/>
+            </a:pPr>
+            <a:r>
+              <a:rPr lang="en-US" dirty="0"/>
+              <a:t>JDBC and SQL Databases: The importance of partitioning</a:t>
+            </a:r>
+          </a:p>
+          <a:p>
+            <a:pPr marL="0" indent="0">
+              <a:buNone/>
+            </a:pPr>
+            <a:endParaRPr lang="en-US" dirty="0"/>
+          </a:p>
+          <a:p>
+            <a:pPr>
+              <a:lnSpc>
+                <a:spcPct val="110000"/>
+              </a:lnSpc>
+            </a:pPr>
+            <a:r>
+              <a:rPr lang="en-US" dirty="0"/>
+              <a:t>When transferring large amounts of data between Spark SQL and a JDBC external source, it is important to partition your data source.</a:t>
+            </a:r>
+          </a:p>
+          <a:p>
+            <a:pPr>
+              <a:lnSpc>
+                <a:spcPct val="110000"/>
+              </a:lnSpc>
+            </a:pPr>
+            <a:r>
+              <a:rPr lang="en-US" dirty="0"/>
+              <a:t> All of your data is going through </a:t>
+            </a:r>
+            <a:r>
+              <a:rPr lang="en-US" b="1" dirty="0"/>
+              <a:t>one driver connection</a:t>
+            </a:r>
+            <a:r>
+              <a:rPr lang="en-US" dirty="0"/>
+              <a:t>, which can saturate and significantly slow down the performance of your extraction.</a:t>
+            </a:r>
+          </a:p>
+          <a:p>
+            <a:pPr>
+              <a:lnSpc>
+                <a:spcPct val="110000"/>
+              </a:lnSpc>
+            </a:pPr>
+            <a:r>
+              <a:rPr lang="en-US" dirty="0"/>
+              <a:t>It also potentially can saturate the resources of your source system</a:t>
+            </a:r>
+          </a:p>
+        </p:txBody>
+      </p:sp>
+      <p:pic>
+        <p:nvPicPr>
+          <p:cNvPr id="4" name="Picture 3">
+            <a:extLst>
+              <a:ext uri="{FF2B5EF4-FFF2-40B4-BE49-F238E27FC236}">
+                <a16:creationId xmlns:a16="http://schemas.microsoft.com/office/drawing/2014/main" id="{2F29CF98-C068-47EE-8A76-12B250694B25}"/>
+              </a:ext>
+            </a:extLst>
+          </p:cNvPr>
+          <p:cNvPicPr>
+            <a:picLocks noChangeAspect="1"/>
+          </p:cNvPicPr>
+          <p:nvPr/>
+        </p:nvPicPr>
+        <p:blipFill rotWithShape="1">
+          <a:blip r:embed="rId2"/>
+          <a:srcRect l="25692" t="21438" r="43638" b="6194"/>
+          <a:stretch/>
+        </p:blipFill>
+        <p:spPr>
+          <a:xfrm>
+            <a:off x="10273126" y="4106369"/>
+            <a:ext cx="1918874" cy="2546820"/>
+          </a:xfrm>
+          <a:prstGeom prst="rect">
+            <a:avLst/>
+          </a:prstGeom>
+        </p:spPr>
+      </p:pic>
+      <p:sp>
+        <p:nvSpPr>
+          <p:cNvPr id="5" name="Rectangle 4">
+            <a:extLst>
+              <a:ext uri="{FF2B5EF4-FFF2-40B4-BE49-F238E27FC236}">
+                <a16:creationId xmlns:a16="http://schemas.microsoft.com/office/drawing/2014/main" id="{876047CB-2F3B-4AC1-886D-5F328E0A2F41}"/>
+              </a:ext>
+            </a:extLst>
+          </p:cNvPr>
+          <p:cNvSpPr/>
+          <p:nvPr/>
+        </p:nvSpPr>
+        <p:spPr>
+          <a:xfrm>
+            <a:off x="6096000" y="6653189"/>
+            <a:ext cx="6096000" cy="253916"/>
+          </a:xfrm>
+          <a:prstGeom prst="rect">
+            <a:avLst/>
+          </a:prstGeom>
+        </p:spPr>
+        <p:txBody>
+          <a:bodyPr>
+            <a:spAutoFit/>
+          </a:bodyPr>
+          <a:lstStyle/>
+          <a:p>
+            <a:r>
+              <a:rPr lang="sv-SE" sz="1050" dirty="0">
+                <a:hlinkClick r:id="rId3"/>
+              </a:rPr>
+              <a:t>https://www.infoworld.com/article/3388036/what-is-jdbc-introduction-to-java-database-connectivity.html</a:t>
+            </a:r>
+            <a:endParaRPr lang="en-US" sz="1050" dirty="0"/>
+          </a:p>
+        </p:txBody>
+      </p:sp>
+    </p:spTree>
+    <p:extLst>
+      <p:ext uri="{BB962C8B-B14F-4D97-AF65-F5344CB8AC3E}">
+        <p14:creationId xmlns:p14="http://schemas.microsoft.com/office/powerpoint/2010/main" val="4041898492"/>
+      </p:ext>
+    </p:extLst>
+  </p:cSld>
+  <p:clrMapOvr>
+    <a:masterClrMapping/>
+  </p:clrMapOvr>
+</p:sld>
+</file>
+
+<file path=ppt/slides/slide31.xml><?xml version="1.0" encoding="utf-8"?>
+<p:sld xmlns:a="http://schemas.openxmlformats.org/drawingml/2006/main" xmlns:r="http://schemas.openxmlformats.org/officeDocument/2006/relationships" xmlns:p="http://schemas.openxmlformats.org/presentationml/2006/main">
+  <p:cSld>
+    <p:spTree>
+      <p:nvGrpSpPr>
+        <p:cNvPr id="1" name=""/>
+        <p:cNvGrpSpPr/>
+        <p:nvPr/>
+      </p:nvGrpSpPr>
+      <p:grpSpPr>
+        <a:xfrm>
+          <a:off x="0" y="0"/>
+          <a:ext cx="0" cy="0"/>
+          <a:chOff x="0" y="0"/>
+          <a:chExt cx="0" cy="0"/>
+        </a:xfrm>
+      </p:grpSpPr>
+      <p:sp>
+        <p:nvSpPr>
+          <p:cNvPr id="2" name="Title 1">
+            <a:extLst>
+              <a:ext uri="{FF2B5EF4-FFF2-40B4-BE49-F238E27FC236}">
+                <a16:creationId xmlns:a16="http://schemas.microsoft.com/office/drawing/2014/main" id="{F3430C02-253B-4DEA-8D8A-54AA0FC7111B}"/>
+              </a:ext>
+            </a:extLst>
+          </p:cNvPr>
+          <p:cNvSpPr>
+            <a:spLocks noGrp="1"/>
+          </p:cNvSpPr>
+          <p:nvPr>
+            <p:ph type="title"/>
+          </p:nvPr>
+        </p:nvSpPr>
+        <p:spPr>
+          <a:xfrm>
+            <a:off x="228600" y="190027"/>
+            <a:ext cx="10515600" cy="1325563"/>
+          </a:xfrm>
+        </p:spPr>
+        <p:txBody>
+          <a:bodyPr/>
+          <a:lstStyle/>
+          <a:p>
+            <a:r>
+              <a:rPr lang="en-US" dirty="0"/>
+              <a:t>DYNAMIC RESOURCE ALLOCATION</a:t>
+            </a:r>
+          </a:p>
+        </p:txBody>
+      </p:sp>
+      <p:sp>
+        <p:nvSpPr>
+          <p:cNvPr id="3" name="Content Placeholder 2">
+            <a:extLst>
+              <a:ext uri="{FF2B5EF4-FFF2-40B4-BE49-F238E27FC236}">
+                <a16:creationId xmlns:a16="http://schemas.microsoft.com/office/drawing/2014/main" id="{8ED2621C-3BE2-4635-B4D9-0BCD41CC7B66}"/>
+              </a:ext>
+            </a:extLst>
+          </p:cNvPr>
+          <p:cNvSpPr>
+            <a:spLocks noGrp="1"/>
+          </p:cNvSpPr>
+          <p:nvPr>
+            <p:ph idx="1"/>
+          </p:nvPr>
+        </p:nvSpPr>
+        <p:spPr/>
+        <p:txBody>
+          <a:bodyPr/>
+          <a:lstStyle/>
+          <a:p>
+            <a:r>
+              <a:rPr lang="en-US" dirty="0"/>
+              <a:t>When using dynamic allocation:</a:t>
+            </a:r>
+          </a:p>
+          <a:p>
+            <a:pPr lvl="1"/>
+            <a:r>
+              <a:rPr lang="en-US" dirty="0"/>
+              <a:t>The Spark driver can request more or fewer compute resources as the demand of large workloads flows and ebbs. </a:t>
+            </a:r>
+          </a:p>
+          <a:p>
+            <a:pPr lvl="1"/>
+            <a:endParaRPr lang="en-US" dirty="0"/>
+          </a:p>
+          <a:p>
+            <a:pPr lvl="1"/>
+            <a:r>
+              <a:rPr lang="en-US" dirty="0"/>
+              <a:t>It allows Spark to achieve better utilization of resources, freeing executors when not in use and acquiring new ones when needed.</a:t>
+            </a:r>
+          </a:p>
+        </p:txBody>
+      </p:sp>
+    </p:spTree>
+    <p:extLst>
+      <p:ext uri="{BB962C8B-B14F-4D97-AF65-F5344CB8AC3E}">
+        <p14:creationId xmlns:p14="http://schemas.microsoft.com/office/powerpoint/2010/main" val="118727906"/>
+      </p:ext>
+    </p:extLst>
+  </p:cSld>
+  <p:clrMapOvr>
+    <a:masterClrMapping/>
+  </p:clrMapOvr>
+</p:sld>
+</file>
+
+<file path=ppt/slides/slide32.xml><?xml version="1.0" encoding="utf-8"?>
+<p:sld xmlns:a="http://schemas.openxmlformats.org/drawingml/2006/main" xmlns:r="http://schemas.openxmlformats.org/officeDocument/2006/relationships" xmlns:p="http://schemas.openxmlformats.org/presentationml/2006/main">
+  <p:cSld>
+    <p:spTree>
+      <p:nvGrpSpPr>
+        <p:cNvPr id="1" name=""/>
+        <p:cNvGrpSpPr/>
+        <p:nvPr/>
+      </p:nvGrpSpPr>
+      <p:grpSpPr>
+        <a:xfrm>
+          <a:off x="0" y="0"/>
+          <a:ext cx="0" cy="0"/>
+          <a:chOff x="0" y="0"/>
+          <a:chExt cx="0" cy="0"/>
+        </a:xfrm>
+      </p:grpSpPr>
+      <p:sp>
+        <p:nvSpPr>
+          <p:cNvPr id="2" name="Title 1">
+            <a:extLst>
+              <a:ext uri="{FF2B5EF4-FFF2-40B4-BE49-F238E27FC236}">
+                <a16:creationId xmlns:a16="http://schemas.microsoft.com/office/drawing/2014/main" id="{F3430C02-253B-4DEA-8D8A-54AA0FC7111B}"/>
+              </a:ext>
+            </a:extLst>
+          </p:cNvPr>
+          <p:cNvSpPr>
+            <a:spLocks noGrp="1"/>
+          </p:cNvSpPr>
+          <p:nvPr>
+            <p:ph type="title"/>
+          </p:nvPr>
+        </p:nvSpPr>
+        <p:spPr>
+          <a:xfrm>
+            <a:off x="228600" y="190027"/>
+            <a:ext cx="10515600" cy="1325563"/>
+          </a:xfrm>
+        </p:spPr>
+        <p:txBody>
+          <a:bodyPr/>
+          <a:lstStyle/>
+          <a:p>
+            <a:r>
+              <a:rPr lang="en-US" dirty="0"/>
+              <a:t>DYNAMIC RESOURCE ALLOCATION</a:t>
+            </a:r>
+          </a:p>
+        </p:txBody>
+      </p:sp>
+      <p:sp>
+        <p:nvSpPr>
+          <p:cNvPr id="3" name="Content Placeholder 2">
+            <a:extLst>
+              <a:ext uri="{FF2B5EF4-FFF2-40B4-BE49-F238E27FC236}">
+                <a16:creationId xmlns:a16="http://schemas.microsoft.com/office/drawing/2014/main" id="{8ED2621C-3BE2-4635-B4D9-0BCD41CC7B66}"/>
+              </a:ext>
+            </a:extLst>
+          </p:cNvPr>
+          <p:cNvSpPr>
+            <a:spLocks noGrp="1"/>
+          </p:cNvSpPr>
+          <p:nvPr>
+            <p:ph idx="1"/>
+          </p:nvPr>
+        </p:nvSpPr>
+        <p:spPr>
+          <a:xfrm>
+            <a:off x="402077" y="1515590"/>
+            <a:ext cx="10951723" cy="4661373"/>
+          </a:xfrm>
+        </p:spPr>
+        <p:txBody>
+          <a:bodyPr>
+            <a:normAutofit fontScale="77500" lnSpcReduction="20000"/>
+          </a:bodyPr>
+          <a:lstStyle/>
+          <a:p>
+            <a:r>
+              <a:rPr lang="en-US" dirty="0"/>
+              <a:t>When </a:t>
+            </a:r>
+            <a:r>
+              <a:rPr lang="en-US" dirty="0" err="1">
+                <a:solidFill>
+                  <a:srgbClr val="FF0000"/>
+                </a:solidFill>
+              </a:rPr>
+              <a:t>spark.dynamicAllocation.enabled</a:t>
+            </a:r>
+            <a:r>
+              <a:rPr lang="en-US" dirty="0">
+                <a:solidFill>
+                  <a:srgbClr val="FF0000"/>
+                </a:solidFill>
+              </a:rPr>
+              <a:t> </a:t>
+            </a:r>
+            <a:r>
+              <a:rPr lang="en-US" dirty="0"/>
+              <a:t>enabled.</a:t>
+            </a:r>
+          </a:p>
+          <a:p>
+            <a:endParaRPr lang="en-US" dirty="0"/>
+          </a:p>
+          <a:p>
+            <a:r>
+              <a:rPr lang="en-US" dirty="0"/>
+              <a:t>The Spark driver will request that the cluster manager create </a:t>
+            </a:r>
+            <a:r>
+              <a:rPr lang="en-US" dirty="0" err="1">
+                <a:solidFill>
+                  <a:srgbClr val="FF0000"/>
+                </a:solidFill>
+              </a:rPr>
+              <a:t>spark.dynamicAllocation.minExecutors</a:t>
+            </a:r>
+            <a:r>
+              <a:rPr lang="en-US" dirty="0">
+                <a:solidFill>
+                  <a:srgbClr val="FF0000"/>
+                </a:solidFill>
+              </a:rPr>
+              <a:t> </a:t>
+            </a:r>
+            <a:r>
+              <a:rPr lang="en-US" dirty="0"/>
+              <a:t>executors to start with, as a minimum.</a:t>
+            </a:r>
+          </a:p>
+          <a:p>
+            <a:endParaRPr lang="en-US" dirty="0"/>
+          </a:p>
+          <a:p>
+            <a:r>
+              <a:rPr lang="en-US" dirty="0"/>
+              <a:t>As the task queue backlog increases, new executors will be requested each time the backlog timeout </a:t>
+            </a:r>
+            <a:r>
+              <a:rPr lang="en-US" dirty="0" err="1">
+                <a:solidFill>
+                  <a:srgbClr val="FF0000"/>
+                </a:solidFill>
+              </a:rPr>
+              <a:t>spark.dynamicAllocation.schedulerBacklogTimeout</a:t>
+            </a:r>
+            <a:r>
+              <a:rPr lang="en-US" dirty="0"/>
+              <a:t> is exceeded.</a:t>
+            </a:r>
+          </a:p>
+          <a:p>
+            <a:endParaRPr lang="en-US" dirty="0"/>
+          </a:p>
+          <a:p>
+            <a:r>
+              <a:rPr lang="en-US" dirty="0"/>
+              <a:t>In this case, whenever there are pending tasks that have not been scheduled for over </a:t>
+            </a:r>
+            <a:r>
+              <a:rPr lang="en-US" dirty="0" err="1">
+                <a:solidFill>
+                  <a:srgbClr val="FF0000"/>
+                </a:solidFill>
+              </a:rPr>
+              <a:t>spark.dynamicAllocation.schedulerBacklogTimeout</a:t>
+            </a:r>
+            <a:r>
+              <a:rPr lang="en-US" dirty="0"/>
+              <a:t>, the driver will request that a new executor be launched to schedule backlogged tasks, up to </a:t>
+            </a:r>
+            <a:r>
+              <a:rPr lang="en-US" dirty="0" err="1">
+                <a:solidFill>
+                  <a:srgbClr val="FF0000"/>
+                </a:solidFill>
+              </a:rPr>
+              <a:t>spark.dynamicAllocation.maxExecutors</a:t>
+            </a:r>
+            <a:r>
+              <a:rPr lang="en-US" dirty="0"/>
+              <a:t>.</a:t>
+            </a:r>
+          </a:p>
+          <a:p>
+            <a:endParaRPr lang="en-US" dirty="0"/>
+          </a:p>
+          <a:p>
+            <a:r>
+              <a:rPr lang="en-US" dirty="0"/>
+              <a:t>By contrast, if an executor finishes a task and is idle for </a:t>
+            </a:r>
+            <a:r>
+              <a:rPr lang="en-US" dirty="0" err="1">
+                <a:solidFill>
+                  <a:srgbClr val="FF0000"/>
+                </a:solidFill>
+              </a:rPr>
+              <a:t>spark.dynamicAllocation.executorIdleTimeout</a:t>
+            </a:r>
+            <a:r>
+              <a:rPr lang="en-US" dirty="0"/>
+              <a:t>, the Spark driver will terminate it. </a:t>
+            </a:r>
+          </a:p>
+        </p:txBody>
+      </p:sp>
+    </p:spTree>
+    <p:extLst>
+      <p:ext uri="{BB962C8B-B14F-4D97-AF65-F5344CB8AC3E}">
+        <p14:creationId xmlns:p14="http://schemas.microsoft.com/office/powerpoint/2010/main" val="819568666"/>
+      </p:ext>
+    </p:extLst>
+  </p:cSld>
+  <p:clrMapOvr>
+    <a:masterClrMapping/>
+  </p:clrMapOvr>
+</p:sld>
+</file>
+
+<file path=ppt/slides/slide33.xml><?xml version="1.0" encoding="utf-8"?>
+<p:sld xmlns:a="http://schemas.openxmlformats.org/drawingml/2006/main" xmlns:r="http://schemas.openxmlformats.org/officeDocument/2006/relationships" xmlns:p="http://schemas.openxmlformats.org/presentationml/2006/main">
+  <p:cSld>
+    <p:spTree>
+      <p:nvGrpSpPr>
+        <p:cNvPr id="1" name=""/>
+        <p:cNvGrpSpPr/>
+        <p:nvPr/>
+      </p:nvGrpSpPr>
+      <p:grpSpPr>
+        <a:xfrm>
+          <a:off x="0" y="0"/>
+          <a:ext cx="0" cy="0"/>
+          <a:chOff x="0" y="0"/>
+          <a:chExt cx="0" cy="0"/>
+        </a:xfrm>
+      </p:grpSpPr>
+      <p:sp>
+        <p:nvSpPr>
+          <p:cNvPr id="4" name="Rectangle: Rounded Corners 3">
+            <a:extLst>
+              <a:ext uri="{FF2B5EF4-FFF2-40B4-BE49-F238E27FC236}">
+                <a16:creationId xmlns:a16="http://schemas.microsoft.com/office/drawing/2014/main" id="{70BB82E1-AB47-437B-8CC9-786E20C80C5E}"/>
+              </a:ext>
+            </a:extLst>
+          </p:cNvPr>
+          <p:cNvSpPr/>
+          <p:nvPr/>
+        </p:nvSpPr>
+        <p:spPr>
+          <a:xfrm>
+            <a:off x="1138136" y="2364582"/>
+            <a:ext cx="9915728" cy="2128836"/>
+          </a:xfrm>
+          <a:prstGeom prst="roundRect">
+            <a:avLst/>
+          </a:prstGeom>
+          <a:solidFill>
+            <a:schemeClr val="accent1">
+              <a:lumMod val="40000"/>
+              <a:lumOff val="60000"/>
+            </a:schemeClr>
+          </a:solidFill>
+          <a:ln>
+            <a:solidFill>
+              <a:schemeClr val="accent1">
+                <a:lumMod val="50000"/>
+              </a:schemeClr>
+            </a:solidFill>
+          </a:ln>
+        </p:spPr>
+        <p:style>
+          <a:lnRef idx="2">
+            <a:schemeClr val="accent1">
+              <a:shade val="50000"/>
+            </a:schemeClr>
+          </a:lnRef>
+          <a:fillRef idx="1">
+            <a:schemeClr val="accent1"/>
+          </a:fillRef>
+          <a:effectRef idx="0">
+            <a:schemeClr val="accent1"/>
+          </a:effectRef>
+          <a:fontRef idx="minor">
+            <a:schemeClr val="lt1"/>
+          </a:fontRef>
+        </p:style>
+        <p:txBody>
+          <a:bodyPr rtlCol="0" anchor="ctr"/>
+          <a:lstStyle/>
+          <a:p>
+            <a:r>
+              <a:rPr lang="en-US" sz="2800" dirty="0">
+                <a:solidFill>
+                  <a:schemeClr val="tx1"/>
+                </a:solidFill>
+              </a:rPr>
+              <a:t>Simply enabling dynamic resource allocation is not sufficient. </a:t>
+            </a:r>
+          </a:p>
+          <a:p>
+            <a:r>
+              <a:rPr lang="en-US" sz="2800" dirty="0">
+                <a:solidFill>
+                  <a:schemeClr val="tx1"/>
+                </a:solidFill>
+              </a:rPr>
+              <a:t>You also have to understand how </a:t>
+            </a:r>
+            <a:r>
+              <a:rPr lang="en-US" sz="2800" i="1" dirty="0">
+                <a:solidFill>
+                  <a:schemeClr val="tx1"/>
+                </a:solidFill>
+              </a:rPr>
+              <a:t>executor memory </a:t>
+            </a:r>
+            <a:r>
+              <a:rPr lang="en-US" sz="2800" dirty="0">
+                <a:solidFill>
+                  <a:schemeClr val="tx1"/>
+                </a:solidFill>
+              </a:rPr>
+              <a:t>is laid out and used by Spark so that executors are not starved of memory or troubled by JVM garbage collection.</a:t>
+            </a:r>
+          </a:p>
+        </p:txBody>
+      </p:sp>
+      <p:sp>
+        <p:nvSpPr>
+          <p:cNvPr id="5" name="Title 1">
+            <a:extLst>
+              <a:ext uri="{FF2B5EF4-FFF2-40B4-BE49-F238E27FC236}">
+                <a16:creationId xmlns:a16="http://schemas.microsoft.com/office/drawing/2014/main" id="{839D52BC-3BC3-436A-BCE5-FABF81B6E264}"/>
+              </a:ext>
+            </a:extLst>
+          </p:cNvPr>
+          <p:cNvSpPr>
+            <a:spLocks noGrp="1"/>
+          </p:cNvSpPr>
+          <p:nvPr>
+            <p:ph type="title"/>
+          </p:nvPr>
+        </p:nvSpPr>
+        <p:spPr>
+          <a:xfrm>
+            <a:off x="228600" y="190027"/>
+            <a:ext cx="10515600" cy="1325563"/>
+          </a:xfrm>
+        </p:spPr>
+        <p:txBody>
+          <a:bodyPr/>
+          <a:lstStyle/>
+          <a:p>
+            <a:r>
+              <a:rPr lang="en-US" dirty="0"/>
+              <a:t>DYNAMIC RESOURCE ALLOCATION</a:t>
+            </a:r>
+          </a:p>
+        </p:txBody>
+      </p:sp>
+    </p:spTree>
+    <p:extLst>
+      <p:ext uri="{BB962C8B-B14F-4D97-AF65-F5344CB8AC3E}">
+        <p14:creationId xmlns:p14="http://schemas.microsoft.com/office/powerpoint/2010/main" val="3122230797"/>
+      </p:ext>
+    </p:extLst>
+  </p:cSld>
+  <p:clrMapOvr>
+    <a:masterClrMapping/>
+  </p:clrMapOvr>
+</p:sld>
+</file>
+
+<file path=ppt/slides/slide34.xml><?xml version="1.0" encoding="utf-8"?>
+<p:sld xmlns:a="http://schemas.openxmlformats.org/drawingml/2006/main" xmlns:r="http://schemas.openxmlformats.org/officeDocument/2006/relationships" xmlns:p="http://schemas.openxmlformats.org/presentationml/2006/main">
+  <p:cSld>
+    <p:spTree>
+      <p:nvGrpSpPr>
+        <p:cNvPr id="1" name=""/>
+        <p:cNvGrpSpPr/>
+        <p:nvPr/>
+      </p:nvGrpSpPr>
+      <p:grpSpPr>
+        <a:xfrm>
+          <a:off x="0" y="0"/>
+          <a:ext cx="0" cy="0"/>
+          <a:chOff x="0" y="0"/>
+          <a:chExt cx="0" cy="0"/>
+        </a:xfrm>
+      </p:grpSpPr>
+      <p:sp>
+        <p:nvSpPr>
+          <p:cNvPr id="2" name="Title 1">
+            <a:extLst>
+              <a:ext uri="{FF2B5EF4-FFF2-40B4-BE49-F238E27FC236}">
+                <a16:creationId xmlns:a16="http://schemas.microsoft.com/office/drawing/2014/main" id="{F3430C02-253B-4DEA-8D8A-54AA0FC7111B}"/>
+              </a:ext>
+            </a:extLst>
+          </p:cNvPr>
+          <p:cNvSpPr>
+            <a:spLocks noGrp="1"/>
+          </p:cNvSpPr>
+          <p:nvPr>
+            <p:ph type="title"/>
+          </p:nvPr>
+        </p:nvSpPr>
+        <p:spPr>
+          <a:xfrm>
+            <a:off x="228600" y="190027"/>
+            <a:ext cx="10515600" cy="1325563"/>
+          </a:xfrm>
+        </p:spPr>
+        <p:txBody>
+          <a:bodyPr/>
+          <a:lstStyle/>
+          <a:p>
+            <a:r>
+              <a:rPr lang="en-US" dirty="0"/>
+              <a:t>EXECUTORS’ MEMORY</a:t>
+            </a:r>
+          </a:p>
+        </p:txBody>
+      </p:sp>
+      <p:sp>
+        <p:nvSpPr>
+          <p:cNvPr id="6" name="Rectangle 5">
+            <a:extLst>
+              <a:ext uri="{FF2B5EF4-FFF2-40B4-BE49-F238E27FC236}">
+                <a16:creationId xmlns:a16="http://schemas.microsoft.com/office/drawing/2014/main" id="{37CCA350-F474-46E9-98EC-10183F0A13D0}"/>
+              </a:ext>
+            </a:extLst>
+          </p:cNvPr>
+          <p:cNvSpPr/>
+          <p:nvPr/>
+        </p:nvSpPr>
+        <p:spPr>
+          <a:xfrm>
+            <a:off x="3304159" y="5052160"/>
+            <a:ext cx="785793" cy="369332"/>
+          </a:xfrm>
+          <a:prstGeom prst="rect">
+            <a:avLst/>
+          </a:prstGeom>
+        </p:spPr>
+        <p:txBody>
+          <a:bodyPr wrap="none">
+            <a:spAutoFit/>
+          </a:bodyPr>
+          <a:lstStyle/>
+          <a:p>
+            <a:r>
+              <a:rPr lang="en-US" dirty="0"/>
+              <a:t>300 M</a:t>
+            </a:r>
+          </a:p>
+        </p:txBody>
+      </p:sp>
+      <p:sp>
+        <p:nvSpPr>
+          <p:cNvPr id="7" name="Rectangle 6">
+            <a:extLst>
+              <a:ext uri="{FF2B5EF4-FFF2-40B4-BE49-F238E27FC236}">
+                <a16:creationId xmlns:a16="http://schemas.microsoft.com/office/drawing/2014/main" id="{A044AC1A-384F-466D-A3DF-3C2B72107F31}"/>
+              </a:ext>
+            </a:extLst>
+          </p:cNvPr>
+          <p:cNvSpPr/>
+          <p:nvPr/>
+        </p:nvSpPr>
+        <p:spPr>
+          <a:xfrm>
+            <a:off x="1362093" y="2264682"/>
+            <a:ext cx="2010474" cy="1701463"/>
+          </a:xfrm>
+          <a:prstGeom prst="rect">
+            <a:avLst/>
+          </a:prstGeom>
+          <a:solidFill>
+            <a:schemeClr val="accent1">
+              <a:lumMod val="40000"/>
+              <a:lumOff val="60000"/>
+            </a:schemeClr>
+          </a:solidFill>
+          <a:ln>
+            <a:solidFill>
+              <a:schemeClr val="accent1"/>
+            </a:solidFill>
+          </a:ln>
+        </p:spPr>
+        <p:style>
+          <a:lnRef idx="2">
+            <a:schemeClr val="accent1">
+              <a:shade val="50000"/>
+            </a:schemeClr>
+          </a:lnRef>
+          <a:fillRef idx="1">
+            <a:schemeClr val="accent1"/>
+          </a:fillRef>
+          <a:effectRef idx="0">
+            <a:schemeClr val="accent1"/>
+          </a:effectRef>
+          <a:fontRef idx="minor">
+            <a:schemeClr val="lt1"/>
+          </a:fontRef>
+        </p:style>
+        <p:txBody>
+          <a:bodyPr rtlCol="0" anchor="ctr"/>
+          <a:lstStyle/>
+          <a:p>
+            <a:pPr algn="ctr"/>
+            <a:r>
+              <a:rPr lang="en-US" sz="1600" dirty="0">
+                <a:solidFill>
+                  <a:schemeClr val="tx1"/>
+                </a:solidFill>
+              </a:rPr>
+              <a:t>execution memory</a:t>
+            </a:r>
+          </a:p>
+        </p:txBody>
+      </p:sp>
+      <p:sp>
+        <p:nvSpPr>
+          <p:cNvPr id="8" name="Rectangle 7">
+            <a:extLst>
+              <a:ext uri="{FF2B5EF4-FFF2-40B4-BE49-F238E27FC236}">
+                <a16:creationId xmlns:a16="http://schemas.microsoft.com/office/drawing/2014/main" id="{2F8EED84-90AB-42A8-87B1-8BA7470C8AC4}"/>
+              </a:ext>
+            </a:extLst>
+          </p:cNvPr>
+          <p:cNvSpPr/>
+          <p:nvPr/>
+        </p:nvSpPr>
+        <p:spPr>
+          <a:xfrm>
+            <a:off x="1362092" y="3966146"/>
+            <a:ext cx="2010474" cy="990987"/>
+          </a:xfrm>
+          <a:prstGeom prst="rect">
+            <a:avLst/>
+          </a:prstGeom>
+          <a:solidFill>
+            <a:schemeClr val="accent2">
+              <a:lumMod val="60000"/>
+              <a:lumOff val="40000"/>
+            </a:schemeClr>
+          </a:solidFill>
+          <a:ln>
+            <a:solidFill>
+              <a:schemeClr val="accent2"/>
+            </a:solidFill>
+          </a:ln>
+        </p:spPr>
+        <p:style>
+          <a:lnRef idx="2">
+            <a:schemeClr val="accent1">
+              <a:shade val="50000"/>
+            </a:schemeClr>
+          </a:lnRef>
+          <a:fillRef idx="1">
+            <a:schemeClr val="accent1"/>
+          </a:fillRef>
+          <a:effectRef idx="0">
+            <a:schemeClr val="accent1"/>
+          </a:effectRef>
+          <a:fontRef idx="minor">
+            <a:schemeClr val="lt1"/>
+          </a:fontRef>
+        </p:style>
+        <p:txBody>
+          <a:bodyPr rtlCol="0" anchor="ctr"/>
+          <a:lstStyle/>
+          <a:p>
+            <a:pPr algn="ctr"/>
+            <a:r>
+              <a:rPr lang="en-US" sz="1600" dirty="0">
+                <a:solidFill>
+                  <a:schemeClr val="tx1"/>
+                </a:solidFill>
+              </a:rPr>
+              <a:t>storage memory</a:t>
+            </a:r>
+          </a:p>
+        </p:txBody>
+      </p:sp>
+      <p:sp>
+        <p:nvSpPr>
+          <p:cNvPr id="9" name="Rectangle 8">
+            <a:extLst>
+              <a:ext uri="{FF2B5EF4-FFF2-40B4-BE49-F238E27FC236}">
+                <a16:creationId xmlns:a16="http://schemas.microsoft.com/office/drawing/2014/main" id="{59B0ABAC-D6C7-4797-AABD-A6AE83B5D631}"/>
+              </a:ext>
+            </a:extLst>
+          </p:cNvPr>
+          <p:cNvSpPr/>
+          <p:nvPr/>
+        </p:nvSpPr>
+        <p:spPr>
+          <a:xfrm>
+            <a:off x="1362092" y="4957133"/>
+            <a:ext cx="2010474" cy="559386"/>
+          </a:xfrm>
+          <a:prstGeom prst="rect">
+            <a:avLst/>
+          </a:prstGeom>
+          <a:solidFill>
+            <a:schemeClr val="accent4">
+              <a:lumMod val="40000"/>
+              <a:lumOff val="60000"/>
+            </a:schemeClr>
+          </a:solidFill>
+          <a:ln>
+            <a:solidFill>
+              <a:schemeClr val="accent4">
+                <a:lumMod val="75000"/>
+              </a:schemeClr>
+            </a:solidFill>
+          </a:ln>
+        </p:spPr>
+        <p:style>
+          <a:lnRef idx="2">
+            <a:schemeClr val="accent1">
+              <a:shade val="50000"/>
+            </a:schemeClr>
+          </a:lnRef>
+          <a:fillRef idx="1">
+            <a:schemeClr val="accent1"/>
+          </a:fillRef>
+          <a:effectRef idx="0">
+            <a:schemeClr val="accent1"/>
+          </a:effectRef>
+          <a:fontRef idx="minor">
+            <a:schemeClr val="lt1"/>
+          </a:fontRef>
+        </p:style>
+        <p:txBody>
+          <a:bodyPr rtlCol="0" anchor="ctr"/>
+          <a:lstStyle/>
+          <a:p>
+            <a:pPr algn="ctr"/>
+            <a:r>
+              <a:rPr lang="en-US" dirty="0">
+                <a:solidFill>
+                  <a:schemeClr val="tx1"/>
+                </a:solidFill>
+              </a:rPr>
+              <a:t>reserved memory</a:t>
+            </a:r>
+            <a:endParaRPr lang="en-US" sz="2800" dirty="0">
+              <a:solidFill>
+                <a:schemeClr val="tx1"/>
+              </a:solidFill>
+            </a:endParaRPr>
+          </a:p>
+        </p:txBody>
+      </p:sp>
+      <p:cxnSp>
+        <p:nvCxnSpPr>
+          <p:cNvPr id="10" name="Straight Arrow Connector 9">
+            <a:extLst>
+              <a:ext uri="{FF2B5EF4-FFF2-40B4-BE49-F238E27FC236}">
+                <a16:creationId xmlns:a16="http://schemas.microsoft.com/office/drawing/2014/main" id="{7C6B3A27-B42C-4B47-8DF4-EB194CDB0BA0}"/>
+              </a:ext>
+            </a:extLst>
+          </p:cNvPr>
+          <p:cNvCxnSpPr>
+            <a:cxnSpLocks/>
+          </p:cNvCxnSpPr>
+          <p:nvPr/>
+        </p:nvCxnSpPr>
+        <p:spPr>
+          <a:xfrm flipV="1">
+            <a:off x="2348136" y="3429000"/>
+            <a:ext cx="0" cy="779040"/>
+          </a:xfrm>
+          <a:prstGeom prst="straightConnector1">
+            <a:avLst/>
+          </a:prstGeom>
+          <a:ln w="19050">
+            <a:solidFill>
+              <a:schemeClr val="tx1"/>
+            </a:solidFill>
+            <a:headEnd type="triangle" w="med" len="med"/>
+            <a:tailEnd type="triangle" w="med" len="med"/>
+          </a:ln>
+        </p:spPr>
+        <p:style>
+          <a:lnRef idx="1">
+            <a:schemeClr val="accent1"/>
+          </a:lnRef>
+          <a:fillRef idx="0">
+            <a:schemeClr val="accent1"/>
+          </a:fillRef>
+          <a:effectRef idx="0">
+            <a:schemeClr val="accent1"/>
+          </a:effectRef>
+          <a:fontRef idx="minor">
+            <a:schemeClr val="tx1"/>
+          </a:fontRef>
+        </p:style>
+      </p:cxnSp>
+      <p:sp>
+        <p:nvSpPr>
+          <p:cNvPr id="11" name="Rectangle 10">
+            <a:extLst>
+              <a:ext uri="{FF2B5EF4-FFF2-40B4-BE49-F238E27FC236}">
+                <a16:creationId xmlns:a16="http://schemas.microsoft.com/office/drawing/2014/main" id="{A6F6BE63-174C-43FE-94F3-B211CA2D0889}"/>
+              </a:ext>
+            </a:extLst>
+          </p:cNvPr>
+          <p:cNvSpPr/>
+          <p:nvPr/>
+        </p:nvSpPr>
+        <p:spPr>
+          <a:xfrm>
+            <a:off x="3550174" y="2729877"/>
+            <a:ext cx="583814" cy="369332"/>
+          </a:xfrm>
+          <a:prstGeom prst="rect">
+            <a:avLst/>
+          </a:prstGeom>
+        </p:spPr>
+        <p:txBody>
+          <a:bodyPr wrap="none">
+            <a:spAutoFit/>
+          </a:bodyPr>
+          <a:lstStyle/>
+          <a:p>
+            <a:r>
+              <a:rPr lang="en-US" dirty="0"/>
+              <a:t>60%</a:t>
+            </a:r>
+          </a:p>
+        </p:txBody>
+      </p:sp>
+      <p:sp>
+        <p:nvSpPr>
+          <p:cNvPr id="12" name="Rectangle 11">
+            <a:extLst>
+              <a:ext uri="{FF2B5EF4-FFF2-40B4-BE49-F238E27FC236}">
+                <a16:creationId xmlns:a16="http://schemas.microsoft.com/office/drawing/2014/main" id="{AAF5BAFD-9F9B-4BA1-AFA1-6619FF384E71}"/>
+              </a:ext>
+            </a:extLst>
+          </p:cNvPr>
+          <p:cNvSpPr/>
+          <p:nvPr/>
+        </p:nvSpPr>
+        <p:spPr>
+          <a:xfrm>
+            <a:off x="3550174" y="4092307"/>
+            <a:ext cx="583814" cy="369332"/>
+          </a:xfrm>
+          <a:prstGeom prst="rect">
+            <a:avLst/>
+          </a:prstGeom>
+        </p:spPr>
+        <p:txBody>
+          <a:bodyPr wrap="none">
+            <a:spAutoFit/>
+          </a:bodyPr>
+          <a:lstStyle/>
+          <a:p>
+            <a:r>
+              <a:rPr lang="en-US" dirty="0"/>
+              <a:t>40%</a:t>
+            </a:r>
+          </a:p>
+        </p:txBody>
+      </p:sp>
+      <p:sp>
+        <p:nvSpPr>
+          <p:cNvPr id="13" name="Right Brace 12">
+            <a:extLst>
+              <a:ext uri="{FF2B5EF4-FFF2-40B4-BE49-F238E27FC236}">
+                <a16:creationId xmlns:a16="http://schemas.microsoft.com/office/drawing/2014/main" id="{9BC55EB4-3A68-4736-A952-16A225C231B5}"/>
+              </a:ext>
+            </a:extLst>
+          </p:cNvPr>
+          <p:cNvSpPr/>
+          <p:nvPr/>
+        </p:nvSpPr>
+        <p:spPr>
+          <a:xfrm>
+            <a:off x="3378739" y="2264682"/>
+            <a:ext cx="330741" cy="2692451"/>
+          </a:xfrm>
+          <a:prstGeom prst="rightBrace">
+            <a:avLst/>
+          </a:prstGeom>
+        </p:spPr>
+        <p:style>
+          <a:lnRef idx="1">
+            <a:schemeClr val="accent1"/>
+          </a:lnRef>
+          <a:fillRef idx="0">
+            <a:schemeClr val="accent1"/>
+          </a:fillRef>
+          <a:effectRef idx="0">
+            <a:schemeClr val="accent1"/>
+          </a:effectRef>
+          <a:fontRef idx="minor">
+            <a:schemeClr val="tx1"/>
+          </a:fontRef>
+        </p:style>
+        <p:txBody>
+          <a:bodyPr rtlCol="0" anchor="ctr"/>
+          <a:lstStyle/>
+          <a:p>
+            <a:pPr algn="ctr"/>
+            <a:endParaRPr lang="en-US"/>
+          </a:p>
+        </p:txBody>
+      </p:sp>
+      <p:sp>
+        <p:nvSpPr>
+          <p:cNvPr id="14" name="Rectangle 13">
+            <a:extLst>
+              <a:ext uri="{FF2B5EF4-FFF2-40B4-BE49-F238E27FC236}">
+                <a16:creationId xmlns:a16="http://schemas.microsoft.com/office/drawing/2014/main" id="{E7D80891-A142-40FF-9E5F-4BCBD7FD9480}"/>
+              </a:ext>
+            </a:extLst>
+          </p:cNvPr>
+          <p:cNvSpPr/>
+          <p:nvPr/>
+        </p:nvSpPr>
+        <p:spPr>
+          <a:xfrm>
+            <a:off x="4089952" y="2732786"/>
+            <a:ext cx="4706738" cy="369332"/>
+          </a:xfrm>
+          <a:prstGeom prst="rect">
+            <a:avLst/>
+          </a:prstGeom>
+        </p:spPr>
+        <p:txBody>
+          <a:bodyPr wrap="none">
+            <a:spAutoFit/>
+          </a:bodyPr>
+          <a:lstStyle/>
+          <a:p>
+            <a:r>
+              <a:rPr lang="en-US" dirty="0">
+                <a:latin typeface="MinionPro-Regular"/>
+              </a:rPr>
+              <a:t>For Spark shuffles, joins, sorts, and aggregations.</a:t>
+            </a:r>
+            <a:endParaRPr lang="en-US" dirty="0"/>
+          </a:p>
+        </p:txBody>
+      </p:sp>
+      <p:sp>
+        <p:nvSpPr>
+          <p:cNvPr id="15" name="Rectangle 14">
+            <a:extLst>
+              <a:ext uri="{FF2B5EF4-FFF2-40B4-BE49-F238E27FC236}">
+                <a16:creationId xmlns:a16="http://schemas.microsoft.com/office/drawing/2014/main" id="{704AD605-2306-4580-8661-5D66ACE923DF}"/>
+              </a:ext>
+            </a:extLst>
+          </p:cNvPr>
+          <p:cNvSpPr/>
+          <p:nvPr/>
+        </p:nvSpPr>
+        <p:spPr>
+          <a:xfrm>
+            <a:off x="4133988" y="3990330"/>
+            <a:ext cx="4706739" cy="646331"/>
+          </a:xfrm>
+          <a:prstGeom prst="rect">
+            <a:avLst/>
+          </a:prstGeom>
+        </p:spPr>
+        <p:txBody>
+          <a:bodyPr wrap="square">
+            <a:spAutoFit/>
+          </a:bodyPr>
+          <a:lstStyle/>
+          <a:p>
+            <a:r>
+              <a:rPr lang="en-US" dirty="0">
+                <a:latin typeface="MinionPro-Regular"/>
+              </a:rPr>
+              <a:t>For caching user data structures and partitions derived from  </a:t>
+            </a:r>
+            <a:r>
+              <a:rPr lang="en-US" dirty="0" err="1">
+                <a:latin typeface="MinionPro-Regular"/>
+              </a:rPr>
+              <a:t>DataFrames</a:t>
+            </a:r>
+            <a:endParaRPr lang="en-US" dirty="0"/>
+          </a:p>
+        </p:txBody>
+      </p:sp>
+    </p:spTree>
+    <p:extLst>
+      <p:ext uri="{BB962C8B-B14F-4D97-AF65-F5344CB8AC3E}">
+        <p14:creationId xmlns:p14="http://schemas.microsoft.com/office/powerpoint/2010/main" val="3550025890"/>
+      </p:ext>
+    </p:extLst>
+  </p:cSld>
+  <p:clrMapOvr>
+    <a:masterClrMapping/>
+  </p:clrMapOvr>
+</p:sld>
+</file>
+
+<file path=ppt/slides/slide35.xml><?xml version="1.0" encoding="utf-8"?>
+<p:sld xmlns:a="http://schemas.openxmlformats.org/drawingml/2006/main" xmlns:r="http://schemas.openxmlformats.org/officeDocument/2006/relationships" xmlns:p="http://schemas.openxmlformats.org/presentationml/2006/main">
+  <p:cSld>
+    <p:spTree>
+      <p:nvGrpSpPr>
+        <p:cNvPr id="1" name=""/>
+        <p:cNvGrpSpPr/>
+        <p:nvPr/>
+      </p:nvGrpSpPr>
+      <p:grpSpPr>
+        <a:xfrm>
+          <a:off x="0" y="0"/>
+          <a:ext cx="0" cy="0"/>
+          <a:chOff x="0" y="0"/>
+          <a:chExt cx="0" cy="0"/>
+        </a:xfrm>
+      </p:grpSpPr>
+      <p:sp>
+        <p:nvSpPr>
+          <p:cNvPr id="2" name="Title 1">
+            <a:extLst>
+              <a:ext uri="{FF2B5EF4-FFF2-40B4-BE49-F238E27FC236}">
+                <a16:creationId xmlns:a16="http://schemas.microsoft.com/office/drawing/2014/main" id="{FB91ED92-61DD-4D01-9D0D-159C19F1B8D5}"/>
+              </a:ext>
+            </a:extLst>
+          </p:cNvPr>
+          <p:cNvSpPr>
+            <a:spLocks noGrp="1"/>
+          </p:cNvSpPr>
+          <p:nvPr>
+            <p:ph type="title"/>
+          </p:nvPr>
+        </p:nvSpPr>
+        <p:spPr>
+          <a:xfrm>
+            <a:off x="235085" y="190027"/>
+            <a:ext cx="10515600" cy="1325563"/>
+          </a:xfrm>
+        </p:spPr>
+        <p:txBody>
+          <a:bodyPr/>
+          <a:lstStyle/>
+          <a:p>
+            <a:r>
+              <a:rPr lang="en-US" dirty="0"/>
+              <a:t>DATA PARTIOTION</a:t>
+            </a:r>
+          </a:p>
+        </p:txBody>
+      </p:sp>
+      <p:sp>
+        <p:nvSpPr>
+          <p:cNvPr id="5" name="Rectangle 4">
+            <a:extLst>
+              <a:ext uri="{FF2B5EF4-FFF2-40B4-BE49-F238E27FC236}">
+                <a16:creationId xmlns:a16="http://schemas.microsoft.com/office/drawing/2014/main" id="{C64BD386-9169-43D2-A547-F3B69AF59271}"/>
+              </a:ext>
+            </a:extLst>
+          </p:cNvPr>
+          <p:cNvSpPr/>
+          <p:nvPr/>
+        </p:nvSpPr>
+        <p:spPr>
+          <a:xfrm>
+            <a:off x="920885" y="1515590"/>
+            <a:ext cx="9656323" cy="3046988"/>
+          </a:xfrm>
+          <a:prstGeom prst="rect">
+            <a:avLst/>
+          </a:prstGeom>
+        </p:spPr>
+        <p:txBody>
+          <a:bodyPr wrap="square">
+            <a:spAutoFit/>
+          </a:bodyPr>
+          <a:lstStyle/>
+          <a:p>
+            <a:pPr marL="285750" indent="-285750">
+              <a:buFont typeface="Arial" panose="020B0604020202020204" pitchFamily="34" charset="0"/>
+              <a:buChar char="•"/>
+            </a:pPr>
+            <a:r>
+              <a:rPr lang="en-US" sz="2400" dirty="0">
+                <a:latin typeface="MinionPro-Regular"/>
+              </a:rPr>
+              <a:t>A partition is a way to arrange data into a subset of configurable and readable chunks or blocks of contiguous data on disk.</a:t>
+            </a:r>
+          </a:p>
+          <a:p>
+            <a:endParaRPr lang="en-US" sz="2400" dirty="0">
+              <a:latin typeface="MinionPro-Regular"/>
+            </a:endParaRPr>
+          </a:p>
+          <a:p>
+            <a:pPr marL="285750" indent="-285750">
+              <a:buFont typeface="Arial" panose="020B0604020202020204" pitchFamily="34" charset="0"/>
+              <a:buChar char="•"/>
+            </a:pPr>
+            <a:r>
+              <a:rPr lang="en-US" sz="2400" dirty="0">
+                <a:latin typeface="MinionPro-Regular"/>
+              </a:rPr>
+              <a:t>These subsets of data can be read or processed independently and in parallel, if necessary, by more than a single thread in a process. </a:t>
+            </a:r>
+          </a:p>
+          <a:p>
+            <a:pPr marL="285750" indent="-285750">
+              <a:buFont typeface="Arial" panose="020B0604020202020204" pitchFamily="34" charset="0"/>
+              <a:buChar char="•"/>
+            </a:pPr>
+            <a:endParaRPr lang="en-US" sz="2400" dirty="0">
+              <a:latin typeface="MinionPro-Regular"/>
+            </a:endParaRPr>
+          </a:p>
+          <a:p>
+            <a:pPr marL="285750" indent="-285750">
+              <a:buFont typeface="Arial" panose="020B0604020202020204" pitchFamily="34" charset="0"/>
+              <a:buChar char="•"/>
+            </a:pPr>
+            <a:r>
+              <a:rPr lang="en-US" sz="2400" dirty="0">
+                <a:latin typeface="MinionPro-Regular"/>
+              </a:rPr>
+              <a:t>This independence matters because it allows for massive parallelism of data processing.</a:t>
+            </a:r>
+            <a:endParaRPr lang="en-US" sz="2400" dirty="0"/>
+          </a:p>
+        </p:txBody>
+      </p:sp>
+    </p:spTree>
+    <p:extLst>
+      <p:ext uri="{BB962C8B-B14F-4D97-AF65-F5344CB8AC3E}">
+        <p14:creationId xmlns:p14="http://schemas.microsoft.com/office/powerpoint/2010/main" val="1689629573"/>
+      </p:ext>
+    </p:extLst>
+  </p:cSld>
+  <p:clrMapOvr>
+    <a:masterClrMapping/>
+  </p:clrMapOvr>
+</p:sld>
+</file>
+
+<file path=ppt/slides/slide36.xml><?xml version="1.0" encoding="utf-8"?>
+<p:sld xmlns:a="http://schemas.openxmlformats.org/drawingml/2006/main" xmlns:r="http://schemas.openxmlformats.org/officeDocument/2006/relationships" xmlns:p="http://schemas.openxmlformats.org/presentationml/2006/main">
+  <p:cSld>
+    <p:spTree>
+      <p:nvGrpSpPr>
+        <p:cNvPr id="1" name=""/>
+        <p:cNvGrpSpPr/>
+        <p:nvPr/>
+      </p:nvGrpSpPr>
+      <p:grpSpPr>
+        <a:xfrm>
+          <a:off x="0" y="0"/>
+          <a:ext cx="0" cy="0"/>
+          <a:chOff x="0" y="0"/>
+          <a:chExt cx="0" cy="0"/>
+        </a:xfrm>
+      </p:grpSpPr>
+      <p:sp>
+        <p:nvSpPr>
+          <p:cNvPr id="2" name="Title 1">
+            <a:extLst>
+              <a:ext uri="{FF2B5EF4-FFF2-40B4-BE49-F238E27FC236}">
+                <a16:creationId xmlns:a16="http://schemas.microsoft.com/office/drawing/2014/main" id="{FB91ED92-61DD-4D01-9D0D-159C19F1B8D5}"/>
+              </a:ext>
+            </a:extLst>
+          </p:cNvPr>
+          <p:cNvSpPr>
+            <a:spLocks noGrp="1"/>
+          </p:cNvSpPr>
+          <p:nvPr>
+            <p:ph type="title"/>
+          </p:nvPr>
+        </p:nvSpPr>
+        <p:spPr>
+          <a:xfrm>
+            <a:off x="235085" y="190027"/>
+            <a:ext cx="10515600" cy="1325563"/>
+          </a:xfrm>
+        </p:spPr>
+        <p:txBody>
+          <a:bodyPr/>
+          <a:lstStyle/>
+          <a:p>
+            <a:r>
+              <a:rPr lang="en-US" dirty="0"/>
+              <a:t>DATA PARTIOTION</a:t>
+            </a:r>
+          </a:p>
+        </p:txBody>
+      </p:sp>
+      <p:sp>
+        <p:nvSpPr>
+          <p:cNvPr id="5" name="Rectangle 4">
+            <a:extLst>
+              <a:ext uri="{FF2B5EF4-FFF2-40B4-BE49-F238E27FC236}">
+                <a16:creationId xmlns:a16="http://schemas.microsoft.com/office/drawing/2014/main" id="{C64BD386-9169-43D2-A547-F3B69AF59271}"/>
+              </a:ext>
+            </a:extLst>
+          </p:cNvPr>
+          <p:cNvSpPr/>
+          <p:nvPr/>
+        </p:nvSpPr>
+        <p:spPr>
+          <a:xfrm>
+            <a:off x="920885" y="1515590"/>
+            <a:ext cx="10194587" cy="3970318"/>
+          </a:xfrm>
+          <a:prstGeom prst="rect">
+            <a:avLst/>
+          </a:prstGeom>
+        </p:spPr>
+        <p:txBody>
+          <a:bodyPr wrap="square">
+            <a:spAutoFit/>
+          </a:bodyPr>
+          <a:lstStyle/>
+          <a:p>
+            <a:pPr marL="285750" indent="-285750">
+              <a:buFont typeface="Arial" panose="020B0604020202020204" pitchFamily="34" charset="0"/>
+              <a:buChar char="•"/>
+            </a:pPr>
+            <a:r>
+              <a:rPr lang="en-US" sz="2800" dirty="0"/>
+              <a:t>On HDFS the default size of file blocks is 128 MB.</a:t>
+            </a:r>
+          </a:p>
+          <a:p>
+            <a:pPr marL="285750" indent="-285750">
+              <a:buFont typeface="Arial" panose="020B0604020202020204" pitchFamily="34" charset="0"/>
+              <a:buChar char="•"/>
+            </a:pPr>
+            <a:endParaRPr lang="en-US" sz="2800" dirty="0"/>
+          </a:p>
+          <a:p>
+            <a:pPr marL="285750" indent="-285750">
+              <a:buFont typeface="Arial" panose="020B0604020202020204" pitchFamily="34" charset="0"/>
+              <a:buChar char="•"/>
+            </a:pPr>
+            <a:r>
+              <a:rPr lang="en-US" sz="2800" dirty="0"/>
+              <a:t>The size of a partition in Spark is dictated by </a:t>
+            </a:r>
+            <a:r>
+              <a:rPr lang="en-US" sz="2800" dirty="0" err="1">
+                <a:solidFill>
+                  <a:srgbClr val="FF0000"/>
+                </a:solidFill>
+              </a:rPr>
+              <a:t>spark.sql.files.maxPartitionBytes</a:t>
+            </a:r>
+            <a:r>
+              <a:rPr lang="en-US" sz="2800" dirty="0"/>
+              <a:t>.</a:t>
+            </a:r>
+          </a:p>
+          <a:p>
+            <a:pPr marL="285750" indent="-285750">
+              <a:buFont typeface="Arial" panose="020B0604020202020204" pitchFamily="34" charset="0"/>
+              <a:buChar char="•"/>
+            </a:pPr>
+            <a:endParaRPr lang="en-US" sz="2800" dirty="0"/>
+          </a:p>
+          <a:p>
+            <a:pPr marL="285750" indent="-285750">
+              <a:buFont typeface="Arial" panose="020B0604020202020204" pitchFamily="34" charset="0"/>
+              <a:buChar char="•"/>
+            </a:pPr>
+            <a:r>
+              <a:rPr lang="en-US" sz="2800" dirty="0"/>
+              <a:t>Partitions are also created when you explicitly use certain methods of the </a:t>
+            </a:r>
+            <a:r>
+              <a:rPr lang="en-US" sz="2800" dirty="0" err="1"/>
+              <a:t>DataFrame</a:t>
+            </a:r>
+            <a:r>
+              <a:rPr lang="en-US" sz="2800" dirty="0"/>
+              <a:t> API. </a:t>
+            </a:r>
+          </a:p>
+          <a:p>
+            <a:pPr marL="742950" lvl="1" indent="-285750">
+              <a:buFont typeface="Arial" panose="020B0604020202020204" pitchFamily="34" charset="0"/>
+              <a:buChar char="•"/>
+            </a:pPr>
+            <a:r>
+              <a:rPr lang="en-US" sz="2800" dirty="0"/>
+              <a:t>For example, while creating a large </a:t>
+            </a:r>
+            <a:r>
+              <a:rPr lang="en-US" sz="2800" dirty="0" err="1"/>
+              <a:t>DataFrame</a:t>
+            </a:r>
+            <a:r>
+              <a:rPr lang="en-US" sz="2800" dirty="0"/>
+              <a:t> or reading a large file from disk</a:t>
+            </a:r>
+          </a:p>
+        </p:txBody>
+      </p:sp>
+    </p:spTree>
+    <p:extLst>
+      <p:ext uri="{BB962C8B-B14F-4D97-AF65-F5344CB8AC3E}">
+        <p14:creationId xmlns:p14="http://schemas.microsoft.com/office/powerpoint/2010/main" val="3940765950"/>
+      </p:ext>
+    </p:extLst>
+  </p:cSld>
+  <p:clrMapOvr>
+    <a:masterClrMapping/>
+  </p:clrMapOvr>
+</p:sld>
+</file>
+
+<file path=ppt/slides/slide37.xml><?xml version="1.0" encoding="utf-8"?>
+<p:sld xmlns:a="http://schemas.openxmlformats.org/drawingml/2006/main" xmlns:r="http://schemas.openxmlformats.org/officeDocument/2006/relationships" xmlns:p="http://schemas.openxmlformats.org/presentationml/2006/main">
+  <p:cSld>
+    <p:spTree>
+      <p:nvGrpSpPr>
+        <p:cNvPr id="1" name=""/>
+        <p:cNvGrpSpPr/>
+        <p:nvPr/>
+      </p:nvGrpSpPr>
+      <p:grpSpPr>
+        <a:xfrm>
+          <a:off x="0" y="0"/>
+          <a:ext cx="0" cy="0"/>
+          <a:chOff x="0" y="0"/>
+          <a:chExt cx="0" cy="0"/>
+        </a:xfrm>
+      </p:grpSpPr>
+      <p:sp>
+        <p:nvSpPr>
+          <p:cNvPr id="2" name="Title 1">
+            <a:extLst>
+              <a:ext uri="{FF2B5EF4-FFF2-40B4-BE49-F238E27FC236}">
+                <a16:creationId xmlns:a16="http://schemas.microsoft.com/office/drawing/2014/main" id="{81CC86CD-91D8-46CF-B2B5-E6F14A25711E}"/>
+              </a:ext>
+            </a:extLst>
+          </p:cNvPr>
+          <p:cNvSpPr>
+            <a:spLocks noGrp="1"/>
+          </p:cNvSpPr>
+          <p:nvPr>
+            <p:ph type="title"/>
+          </p:nvPr>
+        </p:nvSpPr>
+        <p:spPr>
+          <a:xfrm>
+            <a:off x="241570" y="235423"/>
+            <a:ext cx="10515600" cy="1325563"/>
+          </a:xfrm>
+        </p:spPr>
+        <p:txBody>
+          <a:bodyPr/>
+          <a:lstStyle/>
+          <a:p>
+            <a:r>
+              <a:rPr lang="en-US" dirty="0"/>
+              <a:t>CASH AND PERSIST DATA</a:t>
+            </a:r>
+          </a:p>
+        </p:txBody>
+      </p:sp>
+      <p:sp>
+        <p:nvSpPr>
+          <p:cNvPr id="3" name="Content Placeholder 2">
+            <a:extLst>
+              <a:ext uri="{FF2B5EF4-FFF2-40B4-BE49-F238E27FC236}">
+                <a16:creationId xmlns:a16="http://schemas.microsoft.com/office/drawing/2014/main" id="{9973AF66-A298-45CB-A090-1140A66C1EEE}"/>
+              </a:ext>
+            </a:extLst>
+          </p:cNvPr>
+          <p:cNvSpPr>
+            <a:spLocks noGrp="1"/>
+          </p:cNvSpPr>
+          <p:nvPr>
+            <p:ph idx="1"/>
+          </p:nvPr>
+        </p:nvSpPr>
+        <p:spPr/>
+        <p:txBody>
+          <a:bodyPr/>
+          <a:lstStyle/>
+          <a:p>
+            <a:r>
+              <a:rPr lang="en-US" dirty="0"/>
+              <a:t>They are the same!</a:t>
+            </a:r>
+          </a:p>
+          <a:p>
+            <a:endParaRPr lang="en-US" dirty="0"/>
+          </a:p>
+          <a:p>
+            <a:r>
+              <a:rPr lang="en-US" dirty="0"/>
+              <a:t>But, persist() provides more control over how and where your data is stored</a:t>
+            </a:r>
+          </a:p>
+          <a:p>
+            <a:pPr lvl="1"/>
+            <a:r>
+              <a:rPr lang="en-US" dirty="0"/>
+              <a:t>in memory and on disk, </a:t>
+            </a:r>
+          </a:p>
+          <a:p>
+            <a:pPr lvl="1"/>
+            <a:r>
+              <a:rPr lang="en-US" dirty="0"/>
+              <a:t>serialized and </a:t>
+            </a:r>
+            <a:r>
+              <a:rPr lang="en-US" dirty="0" err="1"/>
+              <a:t>unserialized</a:t>
+            </a:r>
+            <a:r>
+              <a:rPr lang="en-US" dirty="0"/>
+              <a:t>. </a:t>
+            </a:r>
+          </a:p>
+          <a:p>
+            <a:endParaRPr lang="en-US" dirty="0"/>
+          </a:p>
+          <a:p>
+            <a:r>
+              <a:rPr lang="en-US" dirty="0"/>
+              <a:t>Both contribute to better performance for frequently accessed </a:t>
+            </a:r>
+            <a:r>
+              <a:rPr lang="en-US" dirty="0" err="1"/>
+              <a:t>DataFrames</a:t>
+            </a:r>
+            <a:r>
+              <a:rPr lang="en-US" dirty="0"/>
+              <a:t> or tables.</a:t>
+            </a:r>
+          </a:p>
+        </p:txBody>
+      </p:sp>
+    </p:spTree>
+    <p:extLst>
+      <p:ext uri="{BB962C8B-B14F-4D97-AF65-F5344CB8AC3E}">
+        <p14:creationId xmlns:p14="http://schemas.microsoft.com/office/powerpoint/2010/main" val="496655212"/>
+      </p:ext>
+    </p:extLst>
+  </p:cSld>
+  <p:clrMapOvr>
+    <a:masterClrMapping/>
+  </p:clrMapOvr>
+</p:sld>
+</file>
+
+<file path=ppt/slides/slide38.xml><?xml version="1.0" encoding="utf-8"?>
+<p:sld xmlns:a="http://schemas.openxmlformats.org/drawingml/2006/main" xmlns:r="http://schemas.openxmlformats.org/officeDocument/2006/relationships" xmlns:p="http://schemas.openxmlformats.org/presentationml/2006/main">
+  <p:cSld>
+    <p:spTree>
+      <p:nvGrpSpPr>
+        <p:cNvPr id="1" name=""/>
+        <p:cNvGrpSpPr/>
+        <p:nvPr/>
+      </p:nvGrpSpPr>
+      <p:grpSpPr>
+        <a:xfrm>
+          <a:off x="0" y="0"/>
+          <a:ext cx="0" cy="0"/>
+          <a:chOff x="0" y="0"/>
+          <a:chExt cx="0" cy="0"/>
+        </a:xfrm>
+      </p:grpSpPr>
+      <p:sp>
+        <p:nvSpPr>
+          <p:cNvPr id="4" name="Rectangle: Rounded Corners 3">
+            <a:extLst>
+              <a:ext uri="{FF2B5EF4-FFF2-40B4-BE49-F238E27FC236}">
+                <a16:creationId xmlns:a16="http://schemas.microsoft.com/office/drawing/2014/main" id="{70BB82E1-AB47-437B-8CC9-786E20C80C5E}"/>
+              </a:ext>
+            </a:extLst>
+          </p:cNvPr>
+          <p:cNvSpPr/>
+          <p:nvPr/>
+        </p:nvSpPr>
+        <p:spPr>
+          <a:xfrm>
+            <a:off x="1138136" y="2364582"/>
+            <a:ext cx="9915728" cy="2128836"/>
+          </a:xfrm>
+          <a:prstGeom prst="roundRect">
+            <a:avLst/>
+          </a:prstGeom>
+          <a:solidFill>
+            <a:schemeClr val="accent1">
+              <a:lumMod val="40000"/>
+              <a:lumOff val="60000"/>
+            </a:schemeClr>
+          </a:solidFill>
+          <a:ln>
+            <a:solidFill>
+              <a:schemeClr val="accent1">
+                <a:lumMod val="50000"/>
+              </a:schemeClr>
+            </a:solidFill>
+          </a:ln>
+        </p:spPr>
+        <p:style>
+          <a:lnRef idx="2">
+            <a:schemeClr val="accent1">
+              <a:shade val="50000"/>
+            </a:schemeClr>
+          </a:lnRef>
+          <a:fillRef idx="1">
+            <a:schemeClr val="accent1"/>
+          </a:fillRef>
+          <a:effectRef idx="0">
+            <a:schemeClr val="accent1"/>
+          </a:effectRef>
+          <a:fontRef idx="minor">
+            <a:schemeClr val="lt1"/>
+          </a:fontRef>
+        </p:style>
+        <p:txBody>
+          <a:bodyPr rtlCol="0" anchor="ctr"/>
+          <a:lstStyle/>
+          <a:p>
+            <a:r>
+              <a:rPr lang="en-US" sz="2800" dirty="0">
+                <a:solidFill>
+                  <a:schemeClr val="tx1"/>
+                </a:solidFill>
+              </a:rPr>
+              <a:t>In the following situations, </a:t>
+            </a:r>
+            <a:r>
+              <a:rPr lang="en-US" sz="2800" dirty="0">
+                <a:solidFill>
+                  <a:srgbClr val="FF0000"/>
+                </a:solidFill>
+              </a:rPr>
+              <a:t>do not persist or cash</a:t>
+            </a:r>
+            <a:r>
+              <a:rPr lang="en-US" sz="2800" dirty="0">
+                <a:solidFill>
+                  <a:schemeClr val="tx1"/>
+                </a:solidFill>
+              </a:rPr>
+              <a:t>:</a:t>
+            </a:r>
+          </a:p>
+          <a:p>
+            <a:pPr marL="457200" indent="-457200">
+              <a:buFont typeface="Arial" panose="020B0604020202020204" pitchFamily="34" charset="0"/>
+              <a:buChar char="•"/>
+            </a:pPr>
+            <a:r>
+              <a:rPr lang="en-US" sz="2800" dirty="0" err="1">
+                <a:solidFill>
+                  <a:schemeClr val="tx1"/>
+                </a:solidFill>
+              </a:rPr>
+              <a:t>DataFrames</a:t>
+            </a:r>
+            <a:r>
+              <a:rPr lang="en-US" sz="2800" dirty="0">
+                <a:solidFill>
+                  <a:schemeClr val="tx1"/>
+                </a:solidFill>
+              </a:rPr>
+              <a:t> that are </a:t>
+            </a:r>
+            <a:r>
+              <a:rPr lang="en-US" sz="2800" dirty="0">
+                <a:solidFill>
+                  <a:srgbClr val="FF0000"/>
+                </a:solidFill>
+              </a:rPr>
+              <a:t>too big </a:t>
+            </a:r>
+            <a:r>
+              <a:rPr lang="en-US" sz="2800" dirty="0">
+                <a:solidFill>
+                  <a:schemeClr val="tx1"/>
+                </a:solidFill>
+              </a:rPr>
+              <a:t>to fit in memory</a:t>
+            </a:r>
+          </a:p>
+          <a:p>
+            <a:pPr marL="457200" indent="-457200">
+              <a:buFont typeface="Arial" panose="020B0604020202020204" pitchFamily="34" charset="0"/>
+              <a:buChar char="•"/>
+            </a:pPr>
+            <a:r>
+              <a:rPr lang="en-US" sz="2800" dirty="0">
+                <a:solidFill>
+                  <a:schemeClr val="tx1"/>
+                </a:solidFill>
+              </a:rPr>
+              <a:t>An inexpensive transformation on a </a:t>
+            </a:r>
+            <a:r>
+              <a:rPr lang="en-US" sz="2800" dirty="0" err="1">
+                <a:solidFill>
+                  <a:schemeClr val="tx1"/>
+                </a:solidFill>
+              </a:rPr>
+              <a:t>DataFrame</a:t>
+            </a:r>
+            <a:r>
+              <a:rPr lang="en-US" sz="2800" dirty="0">
+                <a:solidFill>
+                  <a:schemeClr val="tx1"/>
+                </a:solidFill>
+              </a:rPr>
+              <a:t> not requiring </a:t>
+            </a:r>
+            <a:r>
+              <a:rPr lang="en-US" sz="2800" dirty="0">
+                <a:solidFill>
+                  <a:srgbClr val="FF0000"/>
+                </a:solidFill>
+              </a:rPr>
+              <a:t>frequent use</a:t>
+            </a:r>
+            <a:r>
+              <a:rPr lang="en-US" sz="2800" dirty="0">
+                <a:solidFill>
+                  <a:schemeClr val="tx1"/>
+                </a:solidFill>
+              </a:rPr>
+              <a:t>, regardless of size</a:t>
+            </a:r>
+          </a:p>
+        </p:txBody>
+      </p:sp>
+      <p:sp>
+        <p:nvSpPr>
+          <p:cNvPr id="5" name="Title 1">
+            <a:extLst>
+              <a:ext uri="{FF2B5EF4-FFF2-40B4-BE49-F238E27FC236}">
+                <a16:creationId xmlns:a16="http://schemas.microsoft.com/office/drawing/2014/main" id="{839D52BC-3BC3-436A-BCE5-FABF81B6E264}"/>
+              </a:ext>
+            </a:extLst>
+          </p:cNvPr>
+          <p:cNvSpPr>
+            <a:spLocks noGrp="1"/>
+          </p:cNvSpPr>
+          <p:nvPr>
+            <p:ph type="title"/>
+          </p:nvPr>
+        </p:nvSpPr>
+        <p:spPr>
+          <a:xfrm>
+            <a:off x="228600" y="190027"/>
+            <a:ext cx="10515600" cy="1325563"/>
+          </a:xfrm>
+        </p:spPr>
+        <p:txBody>
+          <a:bodyPr/>
+          <a:lstStyle/>
+          <a:p>
+            <a:r>
+              <a:rPr lang="en-US" dirty="0"/>
+              <a:t>CASH AND PERSIST DATA</a:t>
+            </a:r>
+          </a:p>
+        </p:txBody>
+      </p:sp>
+      <p:sp>
+        <p:nvSpPr>
+          <p:cNvPr id="2" name="Rectangle 1">
+            <a:extLst>
+              <a:ext uri="{FF2B5EF4-FFF2-40B4-BE49-F238E27FC236}">
+                <a16:creationId xmlns:a16="http://schemas.microsoft.com/office/drawing/2014/main" id="{C6B1EBA3-943C-48B2-B615-ADADD5C168EB}"/>
+              </a:ext>
+            </a:extLst>
+          </p:cNvPr>
+          <p:cNvSpPr/>
+          <p:nvPr/>
+        </p:nvSpPr>
+        <p:spPr>
+          <a:xfrm>
+            <a:off x="1585608" y="5814296"/>
+            <a:ext cx="9020784" cy="646331"/>
+          </a:xfrm>
+          <a:prstGeom prst="rect">
+            <a:avLst/>
+          </a:prstGeom>
+        </p:spPr>
+        <p:txBody>
+          <a:bodyPr wrap="square">
+            <a:spAutoFit/>
+          </a:bodyPr>
+          <a:lstStyle/>
+          <a:p>
+            <a:r>
+              <a:rPr lang="en-US" dirty="0">
+                <a:latin typeface="MinionPro-Regular"/>
+              </a:rPr>
+              <a:t>As a general rule you should use memory caching judiciously, as it can incur resource costs in serializing and deserializing.</a:t>
+            </a:r>
+            <a:endParaRPr lang="en-US" dirty="0"/>
+          </a:p>
+        </p:txBody>
+      </p:sp>
+    </p:spTree>
+    <p:extLst>
+      <p:ext uri="{BB962C8B-B14F-4D97-AF65-F5344CB8AC3E}">
+        <p14:creationId xmlns:p14="http://schemas.microsoft.com/office/powerpoint/2010/main" val="2862105425"/>
+      </p:ext>
+    </p:extLst>
+  </p:cSld>
+  <p:clrMapOvr>
+    <a:masterClrMapping/>
+  </p:clrMapOvr>
+</p:sld>
+</file>
+
+<file path=ppt/slides/slide39.xml><?xml version="1.0" encoding="utf-8"?>
+<p:sld xmlns:a="http://schemas.openxmlformats.org/drawingml/2006/main" xmlns:r="http://schemas.openxmlformats.org/officeDocument/2006/relationships" xmlns:p="http://schemas.openxmlformats.org/presentationml/2006/main">
+  <p:cSld>
+    <p:spTree>
+      <p:nvGrpSpPr>
+        <p:cNvPr id="1" name=""/>
+        <p:cNvGrpSpPr/>
+        <p:nvPr/>
+      </p:nvGrpSpPr>
+      <p:grpSpPr>
+        <a:xfrm>
+          <a:off x="0" y="0"/>
+          <a:ext cx="0" cy="0"/>
+          <a:chOff x="0" y="0"/>
+          <a:chExt cx="0" cy="0"/>
+        </a:xfrm>
+      </p:grpSpPr>
+      <p:sp>
+        <p:nvSpPr>
+          <p:cNvPr id="2" name="Title 1">
+            <a:extLst>
+              <a:ext uri="{FF2B5EF4-FFF2-40B4-BE49-F238E27FC236}">
+                <a16:creationId xmlns:a16="http://schemas.microsoft.com/office/drawing/2014/main" id="{F97AAD05-3BE1-4D34-9D2D-6C5038E7A55F}"/>
+              </a:ext>
+            </a:extLst>
+          </p:cNvPr>
+          <p:cNvSpPr>
+            <a:spLocks noGrp="1"/>
+          </p:cNvSpPr>
+          <p:nvPr>
+            <p:ph type="title"/>
+          </p:nvPr>
+        </p:nvSpPr>
+        <p:spPr>
+          <a:xfrm>
+            <a:off x="293451" y="254879"/>
+            <a:ext cx="10515600" cy="1325563"/>
+          </a:xfrm>
+        </p:spPr>
+        <p:txBody>
+          <a:bodyPr/>
+          <a:lstStyle/>
+          <a:p>
+            <a:endParaRPr lang="en-US" dirty="0"/>
+          </a:p>
+        </p:txBody>
+      </p:sp>
+      <p:sp>
+        <p:nvSpPr>
+          <p:cNvPr id="3" name="Content Placeholder 2">
+            <a:extLst>
+              <a:ext uri="{FF2B5EF4-FFF2-40B4-BE49-F238E27FC236}">
+                <a16:creationId xmlns:a16="http://schemas.microsoft.com/office/drawing/2014/main" id="{70885A99-2BE9-47D8-894E-DBD66BDC8C35}"/>
+              </a:ext>
+            </a:extLst>
+          </p:cNvPr>
+          <p:cNvSpPr>
+            <a:spLocks noGrp="1"/>
+          </p:cNvSpPr>
+          <p:nvPr>
+            <p:ph idx="1"/>
+          </p:nvPr>
+        </p:nvSpPr>
+        <p:spPr/>
+        <p:txBody>
+          <a:bodyPr/>
+          <a:lstStyle/>
+          <a:p>
+            <a:endParaRPr lang="en-US"/>
+          </a:p>
+        </p:txBody>
+      </p:sp>
+    </p:spTree>
+    <p:extLst>
+      <p:ext uri="{BB962C8B-B14F-4D97-AF65-F5344CB8AC3E}">
+        <p14:creationId xmlns:p14="http://schemas.microsoft.com/office/powerpoint/2010/main" val="3394643747"/>
       </p:ext>
     </p:extLst>
   </p:cSld>
@@ -8639,6 +10878,86 @@
     <p:extLst>
       <p:ext uri="{BB962C8B-B14F-4D97-AF65-F5344CB8AC3E}">
         <p14:creationId xmlns:p14="http://schemas.microsoft.com/office/powerpoint/2010/main" val="1788263836"/>
+      </p:ext>
+    </p:extLst>
+  </p:cSld>
+  <p:clrMapOvr>
+    <a:masterClrMapping/>
+  </p:clrMapOvr>
+</p:sld>
+</file>
+
+<file path=ppt/slides/slide40.xml><?xml version="1.0" encoding="utf-8"?>
+<p:sld xmlns:a="http://schemas.openxmlformats.org/drawingml/2006/main" xmlns:r="http://schemas.openxmlformats.org/officeDocument/2006/relationships" xmlns:p="http://schemas.openxmlformats.org/presentationml/2006/main">
+  <p:cSld>
+    <p:spTree>
+      <p:nvGrpSpPr>
+        <p:cNvPr id="1" name=""/>
+        <p:cNvGrpSpPr/>
+        <p:nvPr/>
+      </p:nvGrpSpPr>
+      <p:grpSpPr>
+        <a:xfrm>
+          <a:off x="0" y="0"/>
+          <a:ext cx="0" cy="0"/>
+          <a:chOff x="0" y="0"/>
+          <a:chExt cx="0" cy="0"/>
+        </a:xfrm>
+      </p:grpSpPr>
+      <p:sp>
+        <p:nvSpPr>
+          <p:cNvPr id="2" name="Title 1">
+            <a:extLst>
+              <a:ext uri="{FF2B5EF4-FFF2-40B4-BE49-F238E27FC236}">
+                <a16:creationId xmlns:a16="http://schemas.microsoft.com/office/drawing/2014/main" id="{E90A4E39-E817-4A9B-8241-D50A729FD8BA}"/>
+              </a:ext>
+            </a:extLst>
+          </p:cNvPr>
+          <p:cNvSpPr>
+            <a:spLocks noGrp="1"/>
+          </p:cNvSpPr>
+          <p:nvPr>
+            <p:ph type="title"/>
+          </p:nvPr>
+        </p:nvSpPr>
+        <p:spPr/>
+        <p:txBody>
+          <a:bodyPr/>
+          <a:lstStyle/>
+          <a:p>
+            <a:endParaRPr lang="en-US"/>
+          </a:p>
+        </p:txBody>
+      </p:sp>
+      <p:sp>
+        <p:nvSpPr>
+          <p:cNvPr id="3" name="Content Placeholder 2">
+            <a:extLst>
+              <a:ext uri="{FF2B5EF4-FFF2-40B4-BE49-F238E27FC236}">
+                <a16:creationId xmlns:a16="http://schemas.microsoft.com/office/drawing/2014/main" id="{81B3B460-AA83-4C12-A2A0-B44733F7B616}"/>
+              </a:ext>
+            </a:extLst>
+          </p:cNvPr>
+          <p:cNvSpPr>
+            <a:spLocks noGrp="1"/>
+          </p:cNvSpPr>
+          <p:nvPr>
+            <p:ph idx="1"/>
+          </p:nvPr>
+        </p:nvSpPr>
+        <p:spPr/>
+        <p:txBody>
+          <a:bodyPr/>
+          <a:lstStyle/>
+          <a:p>
+            <a:endParaRPr lang="en-US"/>
+          </a:p>
+        </p:txBody>
+      </p:sp>
+    </p:spTree>
+    <p:extLst>
+      <p:ext uri="{BB962C8B-B14F-4D97-AF65-F5344CB8AC3E}">
+        <p14:creationId xmlns:p14="http://schemas.microsoft.com/office/powerpoint/2010/main" val="3360928378"/>
       </p:ext>
     </p:extLst>
   </p:cSld>
